--- a/E6/Esercitazione 6.pptx
+++ b/E6/Esercitazione 6.pptx
@@ -10,8 +10,11 @@
     <p:sldId id="258" r:id="rId4"/>
     <p:sldId id="259" r:id="rId5"/>
     <p:sldId id="262" r:id="rId6"/>
-    <p:sldId id="260" r:id="rId7"/>
+    <p:sldId id="264" r:id="rId7"/>
     <p:sldId id="263" r:id="rId8"/>
+    <p:sldId id="260" r:id="rId9"/>
+    <p:sldId id="265" r:id="rId10"/>
+    <p:sldId id="266" r:id="rId11"/>
   </p:sldIdLst>
   <p:sldSz cx="12192000" cy="6858000"/>
   <p:notesSz cx="6858000" cy="9144000"/>
@@ -120,14 +123,20 @@
             <p14:sldId id="258"/>
             <p14:sldId id="259"/>
             <p14:sldId id="262"/>
+            <p14:sldId id="264"/>
+            <p14:sldId id="263"/>
             <p14:sldId id="260"/>
-            <p14:sldId id="263"/>
+            <p14:sldId id="265"/>
+            <p14:sldId id="266"/>
           </p14:sldIdLst>
         </p14:section>
         <p14:section name="Untitled Section" id="{A8BA4076-17C2-427D-967F-493E8EA5D722}">
           <p14:sldIdLst/>
         </p14:section>
       </p14:sectionLst>
+    </p:ext>
+    <p:ext uri="{EFAFB233-063F-42B5-8137-9DF3F51BA10A}">
+      <p15:sldGuideLst xmlns:p15="http://schemas.microsoft.com/office/powerpoint/2012/main"/>
     </p:ext>
   </p:extLst>
 </p:presentation>
@@ -319,7 +328,7 @@
             <a:fld id="{8E36636D-D922-432D-A958-524484B5923D}" type="datetimeFigureOut">
               <a:rPr lang="en-US" dirty="0"/>
               <a:pPr/>
-              <a:t>17-Nov-20</a:t>
+              <a:t>18-Nov-20</a:t>
             </a:fld>
             <a:endParaRPr lang="en-US" dirty="0"/>
           </a:p>
@@ -613,7 +622,7 @@
           <a:p>
             <a:fld id="{48A87A34-81AB-432B-8DAE-1953F412C126}" type="datetimeFigureOut">
               <a:rPr lang="en-US" dirty="0"/>
-              <a:t>17-Nov-20</a:t>
+              <a:t>18-Nov-20</a:t>
             </a:fld>
             <a:endParaRPr lang="en-US" dirty="0"/>
           </a:p>
@@ -800,7 +809,7 @@
           <a:p>
             <a:fld id="{48A87A34-81AB-432B-8DAE-1953F412C126}" type="datetimeFigureOut">
               <a:rPr lang="en-US" dirty="0"/>
-              <a:t>17-Nov-20</a:t>
+              <a:t>18-Nov-20</a:t>
             </a:fld>
             <a:endParaRPr lang="en-US" dirty="0"/>
           </a:p>
@@ -1056,7 +1065,7 @@
           <a:p>
             <a:fld id="{48A87A34-81AB-432B-8DAE-1953F412C126}" type="datetimeFigureOut">
               <a:rPr lang="en-US" dirty="0"/>
-              <a:t>17-Nov-20</a:t>
+              <a:t>18-Nov-20</a:t>
             </a:fld>
             <a:endParaRPr lang="en-US" dirty="0"/>
           </a:p>
@@ -1475,7 +1484,7 @@
           <a:p>
             <a:fld id="{48A87A34-81AB-432B-8DAE-1953F412C126}" type="datetimeFigureOut">
               <a:rPr lang="en-US" dirty="0"/>
-              <a:t>17-Nov-20</a:t>
+              <a:t>18-Nov-20</a:t>
             </a:fld>
             <a:endParaRPr lang="en-US" dirty="0"/>
           </a:p>
@@ -2007,7 +2016,7 @@
           <a:p>
             <a:fld id="{48A87A34-81AB-432B-8DAE-1953F412C126}" type="datetimeFigureOut">
               <a:rPr lang="en-US" dirty="0"/>
-              <a:t>17-Nov-20</a:t>
+              <a:t>18-Nov-20</a:t>
             </a:fld>
             <a:endParaRPr lang="en-US" dirty="0"/>
           </a:p>
@@ -2866,7 +2875,7 @@
           <a:p>
             <a:fld id="{48A87A34-81AB-432B-8DAE-1953F412C126}" type="datetimeFigureOut">
               <a:rPr lang="en-US" dirty="0"/>
-              <a:t>17-Nov-20</a:t>
+              <a:t>18-Nov-20</a:t>
             </a:fld>
             <a:endParaRPr lang="en-US" dirty="0"/>
           </a:p>
@@ -3032,7 +3041,7 @@
             <a:fld id="{8E36636D-D922-432D-A958-524484B5923D}" type="datetimeFigureOut">
               <a:rPr lang="en-US" dirty="0"/>
               <a:pPr/>
-              <a:t>17-Nov-20</a:t>
+              <a:t>18-Nov-20</a:t>
             </a:fld>
             <a:endParaRPr lang="en-US" dirty="0"/>
           </a:p>
@@ -3213,7 +3222,7 @@
             <a:fld id="{8E36636D-D922-432D-A958-524484B5923D}" type="datetimeFigureOut">
               <a:rPr lang="en-US" dirty="0"/>
               <a:pPr/>
-              <a:t>17-Nov-20</a:t>
+              <a:t>18-Nov-20</a:t>
             </a:fld>
             <a:endParaRPr lang="en-US" dirty="0"/>
           </a:p>
@@ -3380,7 +3389,7 @@
             <a:fld id="{8E36636D-D922-432D-A958-524484B5923D}" type="datetimeFigureOut">
               <a:rPr lang="en-US" dirty="0"/>
               <a:pPr/>
-              <a:t>17-Nov-20</a:t>
+              <a:t>18-Nov-20</a:t>
             </a:fld>
             <a:endParaRPr lang="en-US" dirty="0"/>
           </a:p>
@@ -3621,7 +3630,7 @@
             <a:fld id="{8E36636D-D922-432D-A958-524484B5923D}" type="datetimeFigureOut">
               <a:rPr lang="en-US" dirty="0"/>
               <a:pPr/>
-              <a:t>17-Nov-20</a:t>
+              <a:t>18-Nov-20</a:t>
             </a:fld>
             <a:endParaRPr lang="en-US" dirty="0"/>
           </a:p>
@@ -3854,7 +3863,7 @@
             <a:fld id="{8E36636D-D922-432D-A958-524484B5923D}" type="datetimeFigureOut">
               <a:rPr lang="en-US" dirty="0"/>
               <a:pPr/>
-              <a:t>17-Nov-20</a:t>
+              <a:t>18-Nov-20</a:t>
             </a:fld>
             <a:endParaRPr lang="en-US" dirty="0"/>
           </a:p>
@@ -4317,7 +4326,7 @@
             <a:fld id="{8E36636D-D922-432D-A958-524484B5923D}" type="datetimeFigureOut">
               <a:rPr lang="en-US" dirty="0"/>
               <a:pPr/>
-              <a:t>17-Nov-20</a:t>
+              <a:t>18-Nov-20</a:t>
             </a:fld>
             <a:endParaRPr lang="en-US" dirty="0"/>
           </a:p>
@@ -4432,7 +4441,7 @@
             <a:fld id="{8E36636D-D922-432D-A958-524484B5923D}" type="datetimeFigureOut">
               <a:rPr lang="en-US" dirty="0"/>
               <a:pPr/>
-              <a:t>17-Nov-20</a:t>
+              <a:t>18-Nov-20</a:t>
             </a:fld>
             <a:endParaRPr lang="en-US" dirty="0"/>
           </a:p>
@@ -4524,7 +4533,7 @@
             <a:fld id="{8E36636D-D922-432D-A958-524484B5923D}" type="datetimeFigureOut">
               <a:rPr lang="en-US" dirty="0"/>
               <a:pPr/>
-              <a:t>17-Nov-20</a:t>
+              <a:t>18-Nov-20</a:t>
             </a:fld>
             <a:endParaRPr lang="en-US" dirty="0"/>
           </a:p>
@@ -4776,7 +4785,7 @@
             <a:fld id="{8E36636D-D922-432D-A958-524484B5923D}" type="datetimeFigureOut">
               <a:rPr lang="en-US" dirty="0"/>
               <a:pPr/>
-              <a:t>17-Nov-20</a:t>
+              <a:t>18-Nov-20</a:t>
             </a:fld>
             <a:endParaRPr lang="en-US" dirty="0"/>
           </a:p>
@@ -5073,7 +5082,7 @@
             <a:fld id="{8E36636D-D922-432D-A958-524484B5923D}" type="datetimeFigureOut">
               <a:rPr lang="en-US" dirty="0"/>
               <a:pPr/>
-              <a:t>17-Nov-20</a:t>
+              <a:t>18-Nov-20</a:t>
             </a:fld>
             <a:endParaRPr lang="en-US" dirty="0"/>
           </a:p>
@@ -5304,7 +5313,7 @@
             <a:fld id="{8E36636D-D922-432D-A958-524484B5923D}" type="datetimeFigureOut">
               <a:rPr lang="en-US" dirty="0"/>
               <a:pPr/>
-              <a:t>17-Nov-20</a:t>
+              <a:t>18-Nov-20</a:t>
             </a:fld>
             <a:endParaRPr lang="en-US" dirty="0"/>
           </a:p>
@@ -6086,6 +6095,157 @@
 </p:sld>
 </file>
 
+<file path=ppt/slides/slide10.xml><?xml version="1.0" encoding="utf-8"?>
+<p:sld xmlns:a="http://schemas.openxmlformats.org/drawingml/2006/main" xmlns:r="http://schemas.openxmlformats.org/officeDocument/2006/relationships" xmlns:p="http://schemas.openxmlformats.org/presentationml/2006/main">
+  <p:cSld>
+    <p:spTree>
+      <p:nvGrpSpPr>
+        <p:cNvPr id="1" name=""/>
+        <p:cNvGrpSpPr/>
+        <p:nvPr/>
+      </p:nvGrpSpPr>
+      <p:grpSpPr>
+        <a:xfrm>
+          <a:off x="0" y="0"/>
+          <a:ext cx="0" cy="0"/>
+          <a:chOff x="0" y="0"/>
+          <a:chExt cx="0" cy="0"/>
+        </a:xfrm>
+      </p:grpSpPr>
+      <p:sp>
+        <p:nvSpPr>
+          <p:cNvPr id="2" name="Title 1">
+            <a:extLst>
+              <a:ext uri="{FF2B5EF4-FFF2-40B4-BE49-F238E27FC236}">
+                <a16:creationId xmlns:a16="http://schemas.microsoft.com/office/drawing/2014/main" id="{73411F45-6EF4-477B-B1C0-C00ABE243D64}"/>
+              </a:ext>
+            </a:extLst>
+          </p:cNvPr>
+          <p:cNvSpPr>
+            <a:spLocks noGrp="1"/>
+          </p:cNvSpPr>
+          <p:nvPr>
+            <p:ph type="title"/>
+          </p:nvPr>
+        </p:nvSpPr>
+        <p:spPr/>
+        <p:txBody>
+          <a:bodyPr>
+            <a:normAutofit/>
+          </a:bodyPr>
+          <a:lstStyle/>
+          <a:p>
+            <a:r>
+              <a:rPr lang="en-US" dirty="0" err="1"/>
+              <a:t>Elimina</a:t>
+            </a:r>
+            <a:r>
+              <a:rPr lang="en-US" dirty="0"/>
+              <a:t> </a:t>
+            </a:r>
+            <a:r>
+              <a:rPr lang="en-US" dirty="0" err="1"/>
+              <a:t>riga</a:t>
+            </a:r>
+            <a:endParaRPr lang="en-US" dirty="0"/>
+          </a:p>
+        </p:txBody>
+      </p:sp>
+      <p:sp>
+        <p:nvSpPr>
+          <p:cNvPr id="3" name="Content Placeholder 2">
+            <a:extLst>
+              <a:ext uri="{FF2B5EF4-FFF2-40B4-BE49-F238E27FC236}">
+                <a16:creationId xmlns:a16="http://schemas.microsoft.com/office/drawing/2014/main" id="{9C2641BE-E98C-4118-8597-25A8AF67117F}"/>
+              </a:ext>
+            </a:extLst>
+          </p:cNvPr>
+          <p:cNvSpPr>
+            <a:spLocks noGrp="1"/>
+          </p:cNvSpPr>
+          <p:nvPr>
+            <p:ph idx="1"/>
+          </p:nvPr>
+        </p:nvSpPr>
+        <p:spPr/>
+        <p:txBody>
+          <a:bodyPr/>
+          <a:lstStyle/>
+          <a:p>
+            <a:r>
+              <a:rPr lang="en-US" dirty="0"/>
+              <a:t>Caso </a:t>
+            </a:r>
+            <a:r>
+              <a:rPr lang="en-US" dirty="0" err="1"/>
+              <a:t>riga</a:t>
+            </a:r>
+            <a:r>
+              <a:rPr lang="en-US" dirty="0"/>
+              <a:t> </a:t>
+            </a:r>
+            <a:r>
+              <a:rPr lang="en-US" dirty="0" err="1"/>
+              <a:t>presente</a:t>
+            </a:r>
+            <a:r>
+              <a:rPr lang="en-US" dirty="0"/>
+              <a:t> </a:t>
+            </a:r>
+            <a:r>
+              <a:rPr lang="en-US" dirty="0" err="1"/>
+              <a:t>nel</a:t>
+            </a:r>
+            <a:r>
+              <a:rPr lang="en-US" dirty="0"/>
+              <a:t> file</a:t>
+            </a:r>
+          </a:p>
+        </p:txBody>
+      </p:sp>
+      <p:pic>
+        <p:nvPicPr>
+          <p:cNvPr id="7" name="Picture 6">
+            <a:extLst>
+              <a:ext uri="{FF2B5EF4-FFF2-40B4-BE49-F238E27FC236}">
+                <a16:creationId xmlns:a16="http://schemas.microsoft.com/office/drawing/2014/main" id="{F247C6D6-C5FD-45CD-9C8C-9531B8DAB3AF}"/>
+              </a:ext>
+            </a:extLst>
+          </p:cNvPr>
+          <p:cNvPicPr>
+            <a:picLocks noChangeAspect="1"/>
+          </p:cNvPicPr>
+          <p:nvPr/>
+        </p:nvPicPr>
+        <p:blipFill>
+          <a:blip r:embed="rId2"/>
+          <a:stretch>
+            <a:fillRect/>
+          </a:stretch>
+        </p:blipFill>
+        <p:spPr>
+          <a:xfrm>
+            <a:off x="5480807" y="1732449"/>
+            <a:ext cx="6096000" cy="4572000"/>
+          </a:xfrm>
+          <a:prstGeom prst="rect">
+            <a:avLst/>
+          </a:prstGeom>
+        </p:spPr>
+      </p:pic>
+    </p:spTree>
+    <p:extLst>
+      <p:ext uri="{BB962C8B-B14F-4D97-AF65-F5344CB8AC3E}">
+        <p14:creationId xmlns:p14="http://schemas.microsoft.com/office/powerpoint/2010/main" val="1477205664"/>
+      </p:ext>
+    </p:extLst>
+  </p:cSld>
+  <p:clrMapOvr>
+    <a:masterClrMapping/>
+  </p:clrMapOvr>
+</p:sld>
+</file>
+
 <file path=ppt/slides/slide2.xml><?xml version="1.0" encoding="utf-8"?>
 <p:sld xmlns:a="http://schemas.openxmlformats.org/drawingml/2006/main" xmlns:r="http://schemas.openxmlformats.org/officeDocument/2006/relationships" xmlns:p="http://schemas.openxmlformats.org/presentationml/2006/main">
   <p:cSld>
@@ -6801,6 +6961,252 @@
           <p:cNvPr id="2" name="Title 1">
             <a:extLst>
               <a:ext uri="{FF2B5EF4-FFF2-40B4-BE49-F238E27FC236}">
+                <a16:creationId xmlns:a16="http://schemas.microsoft.com/office/drawing/2014/main" id="{761DAAA9-1F48-4E68-81B1-A612A924C092}"/>
+              </a:ext>
+            </a:extLst>
+          </p:cNvPr>
+          <p:cNvSpPr>
+            <a:spLocks noGrp="1"/>
+          </p:cNvSpPr>
+          <p:nvPr>
+            <p:ph type="title"/>
+          </p:nvPr>
+        </p:nvSpPr>
+        <p:spPr/>
+        <p:txBody>
+          <a:bodyPr>
+            <a:normAutofit/>
+          </a:bodyPr>
+          <a:lstStyle/>
+          <a:p>
+            <a:r>
+              <a:rPr lang="en-US" dirty="0" err="1"/>
+              <a:t>Conta</a:t>
+            </a:r>
+            <a:r>
+              <a:rPr lang="en-US" dirty="0"/>
+              <a:t> </a:t>
+            </a:r>
+            <a:r>
+              <a:rPr lang="en-US" dirty="0" err="1"/>
+              <a:t>righe</a:t>
+            </a:r>
+            <a:endParaRPr lang="en-US" dirty="0"/>
+          </a:p>
+        </p:txBody>
+      </p:sp>
+      <p:pic>
+        <p:nvPicPr>
+          <p:cNvPr id="5" name="Content Placeholder 4">
+            <a:extLst>
+              <a:ext uri="{FF2B5EF4-FFF2-40B4-BE49-F238E27FC236}">
+                <a16:creationId xmlns:a16="http://schemas.microsoft.com/office/drawing/2014/main" id="{DFCFFA20-67D6-4D0F-99CC-918F56C841B8}"/>
+              </a:ext>
+            </a:extLst>
+          </p:cNvPr>
+          <p:cNvPicPr>
+            <a:picLocks noGrp="1" noChangeAspect="1"/>
+          </p:cNvPicPr>
+          <p:nvPr>
+            <p:ph idx="1"/>
+          </p:nvPr>
+        </p:nvPicPr>
+        <p:blipFill>
+          <a:blip r:embed="rId2"/>
+          <a:stretch>
+            <a:fillRect/>
+          </a:stretch>
+        </p:blipFill>
+        <p:spPr>
+          <a:xfrm>
+            <a:off x="3385079" y="1731963"/>
+            <a:ext cx="5412316" cy="4059237"/>
+          </a:xfrm>
+        </p:spPr>
+      </p:pic>
+    </p:spTree>
+    <p:extLst>
+      <p:ext uri="{BB962C8B-B14F-4D97-AF65-F5344CB8AC3E}">
+        <p14:creationId xmlns:p14="http://schemas.microsoft.com/office/powerpoint/2010/main" val="1324474337"/>
+      </p:ext>
+    </p:extLst>
+  </p:cSld>
+  <p:clrMapOvr>
+    <a:masterClrMapping/>
+  </p:clrMapOvr>
+</p:sld>
+</file>
+
+<file path=ppt/slides/slide7.xml><?xml version="1.0" encoding="utf-8"?>
+<p:sld xmlns:a="http://schemas.openxmlformats.org/drawingml/2006/main" xmlns:r="http://schemas.openxmlformats.org/officeDocument/2006/relationships" xmlns:p="http://schemas.openxmlformats.org/presentationml/2006/main">
+  <p:cSld>
+    <p:spTree>
+      <p:nvGrpSpPr>
+        <p:cNvPr id="1" name=""/>
+        <p:cNvGrpSpPr/>
+        <p:nvPr/>
+      </p:nvGrpSpPr>
+      <p:grpSpPr>
+        <a:xfrm>
+          <a:off x="0" y="0"/>
+          <a:ext cx="0" cy="0"/>
+          <a:chOff x="0" y="0"/>
+          <a:chExt cx="0" cy="0"/>
+        </a:xfrm>
+      </p:grpSpPr>
+      <p:sp>
+        <p:nvSpPr>
+          <p:cNvPr id="2" name="Title 1">
+            <a:extLst>
+              <a:ext uri="{FF2B5EF4-FFF2-40B4-BE49-F238E27FC236}">
+                <a16:creationId xmlns:a16="http://schemas.microsoft.com/office/drawing/2014/main" id="{C5B3327E-56C2-4BD9-800F-CED1E57D1793}"/>
+              </a:ext>
+            </a:extLst>
+          </p:cNvPr>
+          <p:cNvSpPr>
+            <a:spLocks noGrp="1"/>
+          </p:cNvSpPr>
+          <p:nvPr>
+            <p:ph type="title"/>
+          </p:nvPr>
+        </p:nvSpPr>
+        <p:spPr/>
+        <p:txBody>
+          <a:bodyPr/>
+          <a:lstStyle/>
+          <a:p>
+            <a:r>
+              <a:rPr lang="en-US" dirty="0" err="1"/>
+              <a:t>Elimina</a:t>
+            </a:r>
+            <a:r>
+              <a:rPr lang="en-US" dirty="0"/>
+              <a:t> Riga</a:t>
+            </a:r>
+          </a:p>
+        </p:txBody>
+      </p:sp>
+      <p:sp>
+        <p:nvSpPr>
+          <p:cNvPr id="3" name="Content Placeholder 2">
+            <a:extLst>
+              <a:ext uri="{FF2B5EF4-FFF2-40B4-BE49-F238E27FC236}">
+                <a16:creationId xmlns:a16="http://schemas.microsoft.com/office/drawing/2014/main" id="{4534B10F-1C2F-4269-ABC2-AB29AED992DC}"/>
+              </a:ext>
+            </a:extLst>
+          </p:cNvPr>
+          <p:cNvSpPr>
+            <a:spLocks noGrp="1"/>
+          </p:cNvSpPr>
+          <p:nvPr>
+            <p:ph idx="1"/>
+          </p:nvPr>
+        </p:nvSpPr>
+        <p:spPr>
+          <a:xfrm>
+            <a:off x="913795" y="1732449"/>
+            <a:ext cx="4044099" cy="4058751"/>
+          </a:xfrm>
+        </p:spPr>
+        <p:txBody>
+          <a:bodyPr/>
+          <a:lstStyle/>
+          <a:p>
+            <a:r>
+              <a:rPr lang="en-US" dirty="0" err="1"/>
+              <a:t>Soluzione</a:t>
+            </a:r>
+            <a:r>
+              <a:rPr lang="en-US" dirty="0"/>
+              <a:t> con la </a:t>
+            </a:r>
+            <a:r>
+              <a:rPr lang="en-US" dirty="0" err="1"/>
+              <a:t>scrittura</a:t>
+            </a:r>
+            <a:r>
+              <a:rPr lang="en-US" dirty="0"/>
+              <a:t> </a:t>
+            </a:r>
+            <a:r>
+              <a:rPr lang="en-US" dirty="0" err="1"/>
+              <a:t>diretta</a:t>
+            </a:r>
+            <a:endParaRPr lang="en-US" dirty="0"/>
+          </a:p>
+        </p:txBody>
+      </p:sp>
+      <p:pic>
+        <p:nvPicPr>
+          <p:cNvPr id="4" name="Content Placeholder 4">
+            <a:extLst>
+              <a:ext uri="{FF2B5EF4-FFF2-40B4-BE49-F238E27FC236}">
+                <a16:creationId xmlns:a16="http://schemas.microsoft.com/office/drawing/2014/main" id="{46440B3E-51D6-4CAE-9E3C-260FBC97E8B6}"/>
+              </a:ext>
+            </a:extLst>
+          </p:cNvPr>
+          <p:cNvPicPr>
+            <a:picLocks noChangeAspect="1"/>
+          </p:cNvPicPr>
+          <p:nvPr/>
+        </p:nvPicPr>
+        <p:blipFill rotWithShape="1">
+          <a:blip r:embed="rId2"/>
+          <a:srcRect b="2424"/>
+          <a:stretch/>
+        </p:blipFill>
+        <p:spPr>
+          <a:xfrm>
+            <a:off x="5425934" y="2037559"/>
+            <a:ext cx="6277851" cy="3364952"/>
+          </a:xfrm>
+          <a:prstGeom prst="rect">
+            <a:avLst/>
+          </a:prstGeom>
+          <a:effectLst>
+            <a:outerShdw blurRad="25400" dir="17880000">
+              <a:srgbClr val="000000">
+                <a:alpha val="46000"/>
+              </a:srgbClr>
+            </a:outerShdw>
+          </a:effectLst>
+        </p:spPr>
+      </p:pic>
+    </p:spTree>
+    <p:extLst>
+      <p:ext uri="{BB962C8B-B14F-4D97-AF65-F5344CB8AC3E}">
+        <p14:creationId xmlns:p14="http://schemas.microsoft.com/office/powerpoint/2010/main" val="2382435006"/>
+      </p:ext>
+    </p:extLst>
+  </p:cSld>
+  <p:clrMapOvr>
+    <a:masterClrMapping/>
+  </p:clrMapOvr>
+</p:sld>
+</file>
+
+<file path=ppt/slides/slide8.xml><?xml version="1.0" encoding="utf-8"?>
+<p:sld xmlns:a="http://schemas.openxmlformats.org/drawingml/2006/main" xmlns:r="http://schemas.openxmlformats.org/officeDocument/2006/relationships" xmlns:p="http://schemas.openxmlformats.org/presentationml/2006/main">
+  <p:cSld>
+    <p:spTree>
+      <p:nvGrpSpPr>
+        <p:cNvPr id="1" name=""/>
+        <p:cNvGrpSpPr/>
+        <p:nvPr/>
+      </p:nvGrpSpPr>
+      <p:grpSpPr>
+        <a:xfrm>
+          <a:off x="0" y="0"/>
+          <a:ext cx="0" cy="0"/>
+          <a:chOff x="0" y="0"/>
+          <a:chExt cx="0" cy="0"/>
+        </a:xfrm>
+      </p:grpSpPr>
+      <p:sp>
+        <p:nvSpPr>
+          <p:cNvPr id="2" name="Title 1">
+            <a:extLst>
+              <a:ext uri="{FF2B5EF4-FFF2-40B4-BE49-F238E27FC236}">
                 <a16:creationId xmlns:a16="http://schemas.microsoft.com/office/drawing/2014/main" id="{C4AB20A1-5FAB-44D5-B094-F5395AEDC0A9}"/>
               </a:ext>
             </a:extLst>
@@ -6948,7 +7354,7 @@
 </p:sld>
 </file>
 
-<file path=ppt/slides/slide7.xml><?xml version="1.0" encoding="utf-8"?>
+<file path=ppt/slides/slide9.xml><?xml version="1.0" encoding="utf-8"?>
 <p:sld xmlns:a="http://schemas.openxmlformats.org/drawingml/2006/main" xmlns:r="http://schemas.openxmlformats.org/officeDocument/2006/relationships" xmlns:p="http://schemas.openxmlformats.org/presentationml/2006/main">
   <p:cSld>
     <p:spTree>
@@ -6970,7 +7376,7 @@
           <p:cNvPr id="2" name="Title 1">
             <a:extLst>
               <a:ext uri="{FF2B5EF4-FFF2-40B4-BE49-F238E27FC236}">
-                <a16:creationId xmlns:a16="http://schemas.microsoft.com/office/drawing/2014/main" id="{C5B3327E-56C2-4BD9-800F-CED1E57D1793}"/>
+                <a16:creationId xmlns:a16="http://schemas.microsoft.com/office/drawing/2014/main" id="{136A5820-8D5F-437D-9F99-91059C700C8B}"/>
               </a:ext>
             </a:extLst>
           </p:cNvPr>
@@ -6983,7 +7389,9 @@
         </p:nvSpPr>
         <p:spPr/>
         <p:txBody>
-          <a:bodyPr/>
+          <a:bodyPr>
+            <a:normAutofit/>
+          </a:bodyPr>
           <a:lstStyle/>
           <a:p>
             <a:r>
@@ -6992,17 +7400,22 @@
             </a:r>
             <a:r>
               <a:rPr lang="en-US" dirty="0"/>
-              <a:t> Riga</a:t>
-            </a:r>
-          </a:p>
-        </p:txBody>
-      </p:sp>
-      <p:sp>
-        <p:nvSpPr>
-          <p:cNvPr id="3" name="Content Placeholder 2">
+              <a:t> </a:t>
+            </a:r>
+            <a:r>
+              <a:rPr lang="en-US" dirty="0" err="1"/>
+              <a:t>riga</a:t>
+            </a:r>
+            <a:endParaRPr lang="en-US" dirty="0"/>
+          </a:p>
+        </p:txBody>
+      </p:sp>
+      <p:sp>
+        <p:nvSpPr>
+          <p:cNvPr id="7" name="Content Placeholder 6">
             <a:extLst>
               <a:ext uri="{FF2B5EF4-FFF2-40B4-BE49-F238E27FC236}">
-                <a16:creationId xmlns:a16="http://schemas.microsoft.com/office/drawing/2014/main" id="{4534B10F-1C2F-4269-ABC2-AB29AED992DC}"/>
+                <a16:creationId xmlns:a16="http://schemas.microsoft.com/office/drawing/2014/main" id="{240AEA92-E7BD-48F9-B20D-60479B5508C5}"/>
               </a:ext>
             </a:extLst>
           </p:cNvPr>
@@ -7013,27 +7426,26 @@
             <p:ph idx="1"/>
           </p:nvPr>
         </p:nvSpPr>
-        <p:spPr>
-          <a:xfrm>
-            <a:off x="913795" y="1732449"/>
-            <a:ext cx="4044099" cy="4058751"/>
-          </a:xfrm>
-        </p:spPr>
+        <p:spPr/>
         <p:txBody>
           <a:bodyPr/>
           <a:lstStyle/>
           <a:p>
             <a:r>
+              <a:rPr lang="en-US" dirty="0"/>
+              <a:t>Caso </a:t>
+            </a:r>
+            <a:r>
               <a:rPr lang="en-US" dirty="0" err="1"/>
-              <a:t>Soluzione</a:t>
+              <a:t>riga</a:t>
             </a:r>
             <a:r>
               <a:rPr lang="en-US" dirty="0"/>
-              <a:t> con la </a:t>
+              <a:t> non </a:t>
             </a:r>
             <a:r>
               <a:rPr lang="en-US" dirty="0" err="1"/>
-              <a:t>scrittura</a:t>
+              <a:t>presente</a:t>
             </a:r>
             <a:r>
               <a:rPr lang="en-US" dirty="0"/>
@@ -7041,18 +7453,21 @@
             </a:r>
             <a:r>
               <a:rPr lang="en-US" dirty="0" err="1"/>
-              <a:t>diretta</a:t>
-            </a:r>
-            <a:endParaRPr lang="en-US" dirty="0"/>
+              <a:t>nel</a:t>
+            </a:r>
+            <a:r>
+              <a:rPr lang="en-US" dirty="0"/>
+              <a:t> file</a:t>
+            </a:r>
           </a:p>
         </p:txBody>
       </p:sp>
       <p:pic>
         <p:nvPicPr>
-          <p:cNvPr id="4" name="Content Placeholder 4">
+          <p:cNvPr id="11" name="Picture 10">
             <a:extLst>
               <a:ext uri="{FF2B5EF4-FFF2-40B4-BE49-F238E27FC236}">
-                <a16:creationId xmlns:a16="http://schemas.microsoft.com/office/drawing/2014/main" id="{46440B3E-51D6-4CAE-9E3C-260FBC97E8B6}"/>
+                <a16:creationId xmlns:a16="http://schemas.microsoft.com/office/drawing/2014/main" id="{7C225455-DAB3-4463-B7A5-52C3E4A8AFE7}"/>
               </a:ext>
             </a:extLst>
           </p:cNvPr>
@@ -7069,25 +7484,18 @@
         </p:blipFill>
         <p:spPr>
           <a:xfrm>
-            <a:off x="5425934" y="2037558"/>
-            <a:ext cx="6277851" cy="3448531"/>
+            <a:off x="5573086" y="1819773"/>
+            <a:ext cx="6096000" cy="4572000"/>
           </a:xfrm>
           <a:prstGeom prst="rect">
             <a:avLst/>
           </a:prstGeom>
-          <a:effectLst>
-            <a:outerShdw blurRad="25400" dir="17880000">
-              <a:srgbClr val="000000">
-                <a:alpha val="46000"/>
-              </a:srgbClr>
-            </a:outerShdw>
-          </a:effectLst>
         </p:spPr>
       </p:pic>
     </p:spTree>
     <p:extLst>
       <p:ext uri="{BB962C8B-B14F-4D97-AF65-F5344CB8AC3E}">
-        <p14:creationId xmlns:p14="http://schemas.microsoft.com/office/powerpoint/2010/main" val="2382435006"/>
+        <p14:creationId xmlns:p14="http://schemas.microsoft.com/office/powerpoint/2010/main" val="3690238993"/>
       </p:ext>
     </p:extLst>
   </p:cSld>

--- a/E6/Esercitazione 6.pptx
+++ b/E6/Esercitazione 6.pptx
@@ -328,7 +328,7 @@
             <a:fld id="{8E36636D-D922-432D-A958-524484B5923D}" type="datetimeFigureOut">
               <a:rPr lang="en-US" dirty="0"/>
               <a:pPr/>
-              <a:t>18-Nov-20</a:t>
+              <a:t>19-Nov-20</a:t>
             </a:fld>
             <a:endParaRPr lang="en-US" dirty="0"/>
           </a:p>
@@ -622,7 +622,7 @@
           <a:p>
             <a:fld id="{48A87A34-81AB-432B-8DAE-1953F412C126}" type="datetimeFigureOut">
               <a:rPr lang="en-US" dirty="0"/>
-              <a:t>18-Nov-20</a:t>
+              <a:t>19-Nov-20</a:t>
             </a:fld>
             <a:endParaRPr lang="en-US" dirty="0"/>
           </a:p>
@@ -809,7 +809,7 @@
           <a:p>
             <a:fld id="{48A87A34-81AB-432B-8DAE-1953F412C126}" type="datetimeFigureOut">
               <a:rPr lang="en-US" dirty="0"/>
-              <a:t>18-Nov-20</a:t>
+              <a:t>19-Nov-20</a:t>
             </a:fld>
             <a:endParaRPr lang="en-US" dirty="0"/>
           </a:p>
@@ -1065,7 +1065,7 @@
           <a:p>
             <a:fld id="{48A87A34-81AB-432B-8DAE-1953F412C126}" type="datetimeFigureOut">
               <a:rPr lang="en-US" dirty="0"/>
-              <a:t>18-Nov-20</a:t>
+              <a:t>19-Nov-20</a:t>
             </a:fld>
             <a:endParaRPr lang="en-US" dirty="0"/>
           </a:p>
@@ -1484,7 +1484,7 @@
           <a:p>
             <a:fld id="{48A87A34-81AB-432B-8DAE-1953F412C126}" type="datetimeFigureOut">
               <a:rPr lang="en-US" dirty="0"/>
-              <a:t>18-Nov-20</a:t>
+              <a:t>19-Nov-20</a:t>
             </a:fld>
             <a:endParaRPr lang="en-US" dirty="0"/>
           </a:p>
@@ -2016,7 +2016,7 @@
           <a:p>
             <a:fld id="{48A87A34-81AB-432B-8DAE-1953F412C126}" type="datetimeFigureOut">
               <a:rPr lang="en-US" dirty="0"/>
-              <a:t>18-Nov-20</a:t>
+              <a:t>19-Nov-20</a:t>
             </a:fld>
             <a:endParaRPr lang="en-US" dirty="0"/>
           </a:p>
@@ -2875,7 +2875,7 @@
           <a:p>
             <a:fld id="{48A87A34-81AB-432B-8DAE-1953F412C126}" type="datetimeFigureOut">
               <a:rPr lang="en-US" dirty="0"/>
-              <a:t>18-Nov-20</a:t>
+              <a:t>19-Nov-20</a:t>
             </a:fld>
             <a:endParaRPr lang="en-US" dirty="0"/>
           </a:p>
@@ -3041,7 +3041,7 @@
             <a:fld id="{8E36636D-D922-432D-A958-524484B5923D}" type="datetimeFigureOut">
               <a:rPr lang="en-US" dirty="0"/>
               <a:pPr/>
-              <a:t>18-Nov-20</a:t>
+              <a:t>19-Nov-20</a:t>
             </a:fld>
             <a:endParaRPr lang="en-US" dirty="0"/>
           </a:p>
@@ -3222,7 +3222,7 @@
             <a:fld id="{8E36636D-D922-432D-A958-524484B5923D}" type="datetimeFigureOut">
               <a:rPr lang="en-US" dirty="0"/>
               <a:pPr/>
-              <a:t>18-Nov-20</a:t>
+              <a:t>19-Nov-20</a:t>
             </a:fld>
             <a:endParaRPr lang="en-US" dirty="0"/>
           </a:p>
@@ -3389,7 +3389,7 @@
             <a:fld id="{8E36636D-D922-432D-A958-524484B5923D}" type="datetimeFigureOut">
               <a:rPr lang="en-US" dirty="0"/>
               <a:pPr/>
-              <a:t>18-Nov-20</a:t>
+              <a:t>19-Nov-20</a:t>
             </a:fld>
             <a:endParaRPr lang="en-US" dirty="0"/>
           </a:p>
@@ -3630,7 +3630,7 @@
             <a:fld id="{8E36636D-D922-432D-A958-524484B5923D}" type="datetimeFigureOut">
               <a:rPr lang="en-US" dirty="0"/>
               <a:pPr/>
-              <a:t>18-Nov-20</a:t>
+              <a:t>19-Nov-20</a:t>
             </a:fld>
             <a:endParaRPr lang="en-US" dirty="0"/>
           </a:p>
@@ -3863,7 +3863,7 @@
             <a:fld id="{8E36636D-D922-432D-A958-524484B5923D}" type="datetimeFigureOut">
               <a:rPr lang="en-US" dirty="0"/>
               <a:pPr/>
-              <a:t>18-Nov-20</a:t>
+              <a:t>19-Nov-20</a:t>
             </a:fld>
             <a:endParaRPr lang="en-US" dirty="0"/>
           </a:p>
@@ -4326,7 +4326,7 @@
             <a:fld id="{8E36636D-D922-432D-A958-524484B5923D}" type="datetimeFigureOut">
               <a:rPr lang="en-US" dirty="0"/>
               <a:pPr/>
-              <a:t>18-Nov-20</a:t>
+              <a:t>19-Nov-20</a:t>
             </a:fld>
             <a:endParaRPr lang="en-US" dirty="0"/>
           </a:p>
@@ -4441,7 +4441,7 @@
             <a:fld id="{8E36636D-D922-432D-A958-524484B5923D}" type="datetimeFigureOut">
               <a:rPr lang="en-US" dirty="0"/>
               <a:pPr/>
-              <a:t>18-Nov-20</a:t>
+              <a:t>19-Nov-20</a:t>
             </a:fld>
             <a:endParaRPr lang="en-US" dirty="0"/>
           </a:p>
@@ -4533,7 +4533,7 @@
             <a:fld id="{8E36636D-D922-432D-A958-524484B5923D}" type="datetimeFigureOut">
               <a:rPr lang="en-US" dirty="0"/>
               <a:pPr/>
-              <a:t>18-Nov-20</a:t>
+              <a:t>19-Nov-20</a:t>
             </a:fld>
             <a:endParaRPr lang="en-US" dirty="0"/>
           </a:p>
@@ -4785,7 +4785,7 @@
             <a:fld id="{8E36636D-D922-432D-A958-524484B5923D}" type="datetimeFigureOut">
               <a:rPr lang="en-US" dirty="0"/>
               <a:pPr/>
-              <a:t>18-Nov-20</a:t>
+              <a:t>19-Nov-20</a:t>
             </a:fld>
             <a:endParaRPr lang="en-US" dirty="0"/>
           </a:p>
@@ -5082,7 +5082,7 @@
             <a:fld id="{8E36636D-D922-432D-A958-524484B5923D}" type="datetimeFigureOut">
               <a:rPr lang="en-US" dirty="0"/>
               <a:pPr/>
-              <a:t>18-Nov-20</a:t>
+              <a:t>19-Nov-20</a:t>
             </a:fld>
             <a:endParaRPr lang="en-US" dirty="0"/>
           </a:p>
@@ -5313,7 +5313,7 @@
             <a:fld id="{8E36636D-D922-432D-A958-524484B5923D}" type="datetimeFigureOut">
               <a:rPr lang="en-US" dirty="0"/>
               <a:pPr/>
-              <a:t>18-Nov-20</a:t>
+              <a:t>19-Nov-20</a:t>
             </a:fld>
             <a:endParaRPr lang="en-US" dirty="0"/>
           </a:p>
@@ -7464,10 +7464,10 @@
       </p:sp>
       <p:pic>
         <p:nvPicPr>
-          <p:cNvPr id="11" name="Picture 10">
+          <p:cNvPr id="4" name="Picture 3">
             <a:extLst>
               <a:ext uri="{FF2B5EF4-FFF2-40B4-BE49-F238E27FC236}">
-                <a16:creationId xmlns:a16="http://schemas.microsoft.com/office/drawing/2014/main" id="{7C225455-DAB3-4463-B7A5-52C3E4A8AFE7}"/>
+                <a16:creationId xmlns:a16="http://schemas.microsoft.com/office/drawing/2014/main" id="{626E1D14-6503-44A6-ABF9-C408996B2CA1}"/>
               </a:ext>
             </a:extLst>
           </p:cNvPr>
@@ -7484,7 +7484,7 @@
         </p:blipFill>
         <p:spPr>
           <a:xfrm>
-            <a:off x="5573086" y="1819773"/>
+            <a:off x="5283200" y="1955800"/>
             <a:ext cx="6096000" cy="4572000"/>
           </a:xfrm>
           <a:prstGeom prst="rect">
